--- a/MALM architecture.pptx
+++ b/MALM architecture.pptx
@@ -105,6 +105,11 @@
       </a:defRPr>
     </a:lvl9pPr>
   </p:defaultTextStyle>
+  <p:extLst>
+    <p:ext uri="{EFAFB233-063F-42B5-8137-9DF3F51BA10A}">
+      <p15:sldGuideLst xmlns:p15="http://schemas.microsoft.com/office/powerpoint/2012/main"/>
+    </p:ext>
+  </p:extLst>
 </p:presentation>
 </file>
 
@@ -3576,7 +3581,7 @@
         <p:spPr>
           <a:xfrm>
             <a:off x="2961337" y="2191265"/>
-            <a:ext cx="7731377" cy="2734962"/>
+            <a:ext cx="5902577" cy="2734962"/>
           </a:xfrm>
           <a:prstGeom prst="rect">
             <a:avLst/>
@@ -3692,8 +3697,8 @@
           <a:p>
             <a:pPr algn="ctr"/>
             <a:r>
-              <a:rPr lang="en-US" altLang="ko-KR" dirty="0" smtClean="0"/>
-              <a:t>decoder</a:t>
+              <a:rPr lang="en-US" altLang="ko-KR" dirty="0" err="1"/>
+              <a:t>responselist</a:t>
             </a:r>
             <a:endParaRPr lang="ko-KR" altLang="en-US" dirty="0"/>
           </a:p>
@@ -3950,10 +3955,10 @@
           <a:p>
             <a:pPr algn="ctr"/>
             <a:r>
-              <a:rPr lang="en-US" altLang="ko-KR" dirty="0" err="1" smtClean="0"/>
-              <a:t>responselist</a:t>
-            </a:r>
-            <a:endParaRPr lang="ko-KR" altLang="en-US" dirty="0" smtClean="0"/>
+              <a:rPr lang="en-US" altLang="ko-KR" dirty="0"/>
+              <a:t>announce</a:t>
+            </a:r>
+            <a:endParaRPr lang="ko-KR" altLang="en-US" dirty="0"/>
           </a:p>
         </p:txBody>
       </p:sp>
@@ -3994,8 +3999,8 @@
           <a:p>
             <a:pPr algn="ctr"/>
             <a:r>
-              <a:rPr lang="en-US" altLang="ko-KR" dirty="0" smtClean="0"/>
-              <a:t>encoder</a:t>
+              <a:rPr lang="en-US" altLang="ko-KR" dirty="0"/>
+              <a:t>synthesize</a:t>
             </a:r>
             <a:endParaRPr lang="ko-KR" altLang="en-US" dirty="0"/>
           </a:p>
@@ -4118,166 +4123,6 @@
         <p:spPr>
           <a:xfrm flipH="1">
             <a:off x="6601433" y="4198473"/>
-            <a:ext cx="532374" cy="0"/>
-          </a:xfrm>
-          <a:prstGeom prst="straightConnector1">
-            <a:avLst/>
-          </a:prstGeom>
-          <a:ln>
-            <a:tailEnd type="triangle"/>
-          </a:ln>
-        </p:spPr>
-        <p:style>
-          <a:lnRef idx="1">
-            <a:schemeClr val="dk1"/>
-          </a:lnRef>
-          <a:fillRef idx="0">
-            <a:schemeClr val="dk1"/>
-          </a:fillRef>
-          <a:effectRef idx="0">
-            <a:schemeClr val="dk1"/>
-          </a:effectRef>
-          <a:fontRef idx="minor">
-            <a:schemeClr val="tx1"/>
-          </a:fontRef>
-        </p:style>
-      </p:cxnSp>
-      <p:sp>
-        <p:nvSpPr>
-          <p:cNvPr id="42" name="직사각형 41"/>
-          <p:cNvSpPr/>
-          <p:nvPr/>
-        </p:nvSpPr>
-        <p:spPr>
-          <a:xfrm>
-            <a:off x="9081606" y="2840642"/>
-            <a:ext cx="1415425" cy="708454"/>
-          </a:xfrm>
-          <a:prstGeom prst="rect">
-            <a:avLst/>
-          </a:prstGeom>
-        </p:spPr>
-        <p:style>
-          <a:lnRef idx="2">
-            <a:schemeClr val="accent1">
-              <a:shade val="50000"/>
-            </a:schemeClr>
-          </a:lnRef>
-          <a:fillRef idx="1">
-            <a:schemeClr val="accent1"/>
-          </a:fillRef>
-          <a:effectRef idx="0">
-            <a:schemeClr val="accent1"/>
-          </a:effectRef>
-          <a:fontRef idx="minor">
-            <a:schemeClr val="lt1"/>
-          </a:fontRef>
-        </p:style>
-        <p:txBody>
-          <a:bodyPr rtlCol="0" anchor="ctr"/>
-          <a:lstStyle/>
-          <a:p>
-            <a:pPr algn="ctr"/>
-            <a:r>
-              <a:rPr lang="en-US" altLang="ko-KR" dirty="0" smtClean="0"/>
-              <a:t>announce</a:t>
-            </a:r>
-            <a:endParaRPr lang="ko-KR" altLang="en-US" dirty="0" smtClean="0"/>
-          </a:p>
-        </p:txBody>
-      </p:sp>
-      <p:sp>
-        <p:nvSpPr>
-          <p:cNvPr id="43" name="직사각형 42"/>
-          <p:cNvSpPr/>
-          <p:nvPr/>
-        </p:nvSpPr>
-        <p:spPr>
-          <a:xfrm>
-            <a:off x="9081606" y="3844246"/>
-            <a:ext cx="1415425" cy="708454"/>
-          </a:xfrm>
-          <a:prstGeom prst="rect">
-            <a:avLst/>
-          </a:prstGeom>
-        </p:spPr>
-        <p:style>
-          <a:lnRef idx="2">
-            <a:schemeClr val="accent1">
-              <a:shade val="50000"/>
-            </a:schemeClr>
-          </a:lnRef>
-          <a:fillRef idx="1">
-            <a:schemeClr val="accent1"/>
-          </a:fillRef>
-          <a:effectRef idx="0">
-            <a:schemeClr val="accent1"/>
-          </a:effectRef>
-          <a:fontRef idx="minor">
-            <a:schemeClr val="lt1"/>
-          </a:fontRef>
-        </p:style>
-        <p:txBody>
-          <a:bodyPr rtlCol="0" anchor="ctr"/>
-          <a:lstStyle/>
-          <a:p>
-            <a:pPr algn="ctr"/>
-            <a:r>
-              <a:rPr lang="en-US" altLang="ko-KR" dirty="0" smtClean="0"/>
-              <a:t>synthesize</a:t>
-            </a:r>
-            <a:endParaRPr lang="ko-KR" altLang="en-US" dirty="0"/>
-          </a:p>
-        </p:txBody>
-      </p:sp>
-      <p:cxnSp>
-        <p:nvCxnSpPr>
-          <p:cNvPr id="44" name="직선 화살표 연결선 43"/>
-          <p:cNvCxnSpPr>
-            <a:stCxn id="24" idx="3"/>
-            <a:endCxn id="42" idx="1"/>
-          </p:cNvCxnSpPr>
-          <p:nvPr/>
-        </p:nvCxnSpPr>
-        <p:spPr>
-          <a:xfrm>
-            <a:off x="8549232" y="3194869"/>
-            <a:ext cx="532374" cy="0"/>
-          </a:xfrm>
-          <a:prstGeom prst="straightConnector1">
-            <a:avLst/>
-          </a:prstGeom>
-          <a:ln>
-            <a:tailEnd type="triangle"/>
-          </a:ln>
-        </p:spPr>
-        <p:style>
-          <a:lnRef idx="1">
-            <a:schemeClr val="dk1"/>
-          </a:lnRef>
-          <a:fillRef idx="0">
-            <a:schemeClr val="dk1"/>
-          </a:fillRef>
-          <a:effectRef idx="0">
-            <a:schemeClr val="dk1"/>
-          </a:effectRef>
-          <a:fontRef idx="minor">
-            <a:schemeClr val="tx1"/>
-          </a:fontRef>
-        </p:style>
-      </p:cxnSp>
-      <p:cxnSp>
-        <p:nvCxnSpPr>
-          <p:cNvPr id="45" name="직선 화살표 연결선 44"/>
-          <p:cNvCxnSpPr>
-            <a:stCxn id="43" idx="1"/>
-            <a:endCxn id="25" idx="3"/>
-          </p:cNvCxnSpPr>
-          <p:nvPr/>
-        </p:nvCxnSpPr>
-        <p:spPr>
-          <a:xfrm flipH="1">
-            <a:off x="8549232" y="4198473"/>
             <a:ext cx="532374" cy="0"/>
           </a:xfrm>
           <a:prstGeom prst="straightConnector1">

--- a/MALM architecture.pptx
+++ b/MALM architecture.pptx
@@ -244,7 +244,7 @@
           <a:p>
             <a:fld id="{4069A885-E4D2-42EA-9375-43751F394703}" type="datetimeFigureOut">
               <a:rPr lang="ko-KR" altLang="en-US" smtClean="0"/>
-              <a:t>2015-12-07</a:t>
+              <a:t>2015-12-08</a:t>
             </a:fld>
             <a:endParaRPr lang="ko-KR" altLang="en-US"/>
           </a:p>
@@ -414,7 +414,7 @@
           <a:p>
             <a:fld id="{4069A885-E4D2-42EA-9375-43751F394703}" type="datetimeFigureOut">
               <a:rPr lang="ko-KR" altLang="en-US" smtClean="0"/>
-              <a:t>2015-12-07</a:t>
+              <a:t>2015-12-08</a:t>
             </a:fld>
             <a:endParaRPr lang="ko-KR" altLang="en-US"/>
           </a:p>
@@ -594,7 +594,7 @@
           <a:p>
             <a:fld id="{4069A885-E4D2-42EA-9375-43751F394703}" type="datetimeFigureOut">
               <a:rPr lang="ko-KR" altLang="en-US" smtClean="0"/>
-              <a:t>2015-12-07</a:t>
+              <a:t>2015-12-08</a:t>
             </a:fld>
             <a:endParaRPr lang="ko-KR" altLang="en-US"/>
           </a:p>
@@ -764,7 +764,7 @@
           <a:p>
             <a:fld id="{4069A885-E4D2-42EA-9375-43751F394703}" type="datetimeFigureOut">
               <a:rPr lang="ko-KR" altLang="en-US" smtClean="0"/>
-              <a:t>2015-12-07</a:t>
+              <a:t>2015-12-08</a:t>
             </a:fld>
             <a:endParaRPr lang="ko-KR" altLang="en-US"/>
           </a:p>
@@ -1010,7 +1010,7 @@
           <a:p>
             <a:fld id="{4069A885-E4D2-42EA-9375-43751F394703}" type="datetimeFigureOut">
               <a:rPr lang="ko-KR" altLang="en-US" smtClean="0"/>
-              <a:t>2015-12-07</a:t>
+              <a:t>2015-12-08</a:t>
             </a:fld>
             <a:endParaRPr lang="ko-KR" altLang="en-US"/>
           </a:p>
@@ -1242,7 +1242,7 @@
           <a:p>
             <a:fld id="{4069A885-E4D2-42EA-9375-43751F394703}" type="datetimeFigureOut">
               <a:rPr lang="ko-KR" altLang="en-US" smtClean="0"/>
-              <a:t>2015-12-07</a:t>
+              <a:t>2015-12-08</a:t>
             </a:fld>
             <a:endParaRPr lang="ko-KR" altLang="en-US"/>
           </a:p>
@@ -1609,7 +1609,7 @@
           <a:p>
             <a:fld id="{4069A885-E4D2-42EA-9375-43751F394703}" type="datetimeFigureOut">
               <a:rPr lang="ko-KR" altLang="en-US" smtClean="0"/>
-              <a:t>2015-12-07</a:t>
+              <a:t>2015-12-08</a:t>
             </a:fld>
             <a:endParaRPr lang="ko-KR" altLang="en-US"/>
           </a:p>
@@ -1727,7 +1727,7 @@
           <a:p>
             <a:fld id="{4069A885-E4D2-42EA-9375-43751F394703}" type="datetimeFigureOut">
               <a:rPr lang="ko-KR" altLang="en-US" smtClean="0"/>
-              <a:t>2015-12-07</a:t>
+              <a:t>2015-12-08</a:t>
             </a:fld>
             <a:endParaRPr lang="ko-KR" altLang="en-US"/>
           </a:p>
@@ -1822,7 +1822,7 @@
           <a:p>
             <a:fld id="{4069A885-E4D2-42EA-9375-43751F394703}" type="datetimeFigureOut">
               <a:rPr lang="ko-KR" altLang="en-US" smtClean="0"/>
-              <a:t>2015-12-07</a:t>
+              <a:t>2015-12-08</a:t>
             </a:fld>
             <a:endParaRPr lang="ko-KR" altLang="en-US"/>
           </a:p>
@@ -2099,7 +2099,7 @@
           <a:p>
             <a:fld id="{4069A885-E4D2-42EA-9375-43751F394703}" type="datetimeFigureOut">
               <a:rPr lang="ko-KR" altLang="en-US" smtClean="0"/>
-              <a:t>2015-12-07</a:t>
+              <a:t>2015-12-08</a:t>
             </a:fld>
             <a:endParaRPr lang="ko-KR" altLang="en-US"/>
           </a:p>
@@ -2352,7 +2352,7 @@
           <a:p>
             <a:fld id="{4069A885-E4D2-42EA-9375-43751F394703}" type="datetimeFigureOut">
               <a:rPr lang="ko-KR" altLang="en-US" smtClean="0"/>
-              <a:t>2015-12-07</a:t>
+              <a:t>2015-12-08</a:t>
             </a:fld>
             <a:endParaRPr lang="ko-KR" altLang="en-US"/>
           </a:p>
@@ -2565,7 +2565,7 @@
           <a:p>
             <a:fld id="{4069A885-E4D2-42EA-9375-43751F394703}" type="datetimeFigureOut">
               <a:rPr lang="ko-KR" altLang="en-US" smtClean="0"/>
-              <a:t>2015-12-07</a:t>
+              <a:t>2015-12-08</a:t>
             </a:fld>
             <a:endParaRPr lang="ko-KR" altLang="en-US"/>
           </a:p>
@@ -2987,51 +2987,11 @@
           <a:p>
             <a:r>
               <a:rPr lang="en-US" altLang="ko-KR" dirty="0" smtClean="0"/>
-              <a:t>MALM architecture</a:t>
-            </a:r>
-            <a:endParaRPr lang="ko-KR" altLang="en-US" dirty="0"/>
-          </a:p>
-        </p:txBody>
-      </p:sp>
-      <p:sp>
-        <p:nvSpPr>
-          <p:cNvPr id="4" name="직사각형 3"/>
-          <p:cNvSpPr/>
-          <p:nvPr/>
-        </p:nvSpPr>
-        <p:spPr>
-          <a:xfrm>
-            <a:off x="585093" y="2032089"/>
-            <a:ext cx="2240486" cy="3508344"/>
-          </a:xfrm>
-          <a:prstGeom prst="rect">
-            <a:avLst/>
-          </a:prstGeom>
-        </p:spPr>
-        <p:style>
-          <a:lnRef idx="2">
-            <a:schemeClr val="accent1">
-              <a:shade val="50000"/>
-            </a:schemeClr>
-          </a:lnRef>
-          <a:fillRef idx="1">
-            <a:schemeClr val="accent1"/>
-          </a:fillRef>
-          <a:effectRef idx="0">
-            <a:schemeClr val="accent1"/>
-          </a:effectRef>
-          <a:fontRef idx="minor">
-            <a:schemeClr val="lt1"/>
-          </a:fontRef>
-        </p:style>
-        <p:txBody>
-          <a:bodyPr rtlCol="0" anchor="t"/>
-          <a:lstStyle/>
-          <a:p>
-            <a:pPr algn="ctr"/>
+              <a:t>Server </a:t>
+            </a:r>
             <a:r>
               <a:rPr lang="en-US" altLang="ko-KR" dirty="0" smtClean="0"/>
-              <a:t>Thread Queue</a:t>
+              <a:t>architecture</a:t>
             </a:r>
             <a:endParaRPr lang="ko-KR" altLang="en-US" dirty="0"/>
           </a:p>
@@ -3045,7 +3005,7 @@
         </p:nvGrpSpPr>
         <p:grpSpPr>
           <a:xfrm>
-            <a:off x="912238" y="2760760"/>
+            <a:off x="3704865" y="2884328"/>
             <a:ext cx="1586196" cy="2528907"/>
             <a:chOff x="912238" y="2760760"/>
             <a:chExt cx="1586196" cy="2528907"/>
@@ -3089,7 +3049,7 @@
               <a:pPr algn="ctr"/>
               <a:r>
                 <a:rPr lang="en-US" altLang="ko-KR" dirty="0" smtClean="0"/>
-                <a:t>MalmServer1</a:t>
+                <a:t>Malm1</a:t>
               </a:r>
               <a:endParaRPr lang="ko-KR" altLang="en-US" dirty="0"/>
             </a:p>
@@ -3133,7 +3093,7 @@
               <a:pPr algn="ctr"/>
               <a:r>
                 <a:rPr lang="en-US" altLang="ko-KR" dirty="0" smtClean="0"/>
-                <a:t>MalmServer2</a:t>
+                <a:t>Malm2</a:t>
               </a:r>
               <a:endParaRPr lang="ko-KR" altLang="en-US" dirty="0"/>
             </a:p>
@@ -3177,7 +3137,7 @@
               <a:pPr algn="ctr"/>
               <a:r>
                 <a:rPr lang="en-US" altLang="ko-KR" dirty="0" smtClean="0"/>
-                <a:t>MalmServer3</a:t>
+                <a:t>Malm3</a:t>
               </a:r>
               <a:endParaRPr lang="ko-KR" altLang="en-US" dirty="0"/>
             </a:p>
@@ -3221,7 +3181,7 @@
               <a:pPr algn="ctr"/>
               <a:r>
                 <a:rPr lang="en-US" altLang="ko-KR" dirty="0" smtClean="0"/>
-                <a:t>MalmServer4</a:t>
+                <a:t>Malm4</a:t>
               </a:r>
               <a:endParaRPr lang="ko-KR" altLang="en-US" dirty="0"/>
             </a:p>
@@ -3236,7 +3196,7 @@
         </p:nvSpPr>
         <p:spPr>
           <a:xfrm>
-            <a:off x="3509437" y="3580424"/>
+            <a:off x="6302064" y="3703992"/>
             <a:ext cx="1919298" cy="988540"/>
           </a:xfrm>
           <a:prstGeom prst="rect">
@@ -3283,7 +3243,7 @@
         </p:nvCxnSpPr>
         <p:spPr>
           <a:xfrm>
-            <a:off x="2498434" y="3039763"/>
+            <a:off x="5291061" y="3163331"/>
             <a:ext cx="1011003" cy="1034931"/>
           </a:xfrm>
           <a:prstGeom prst="straightConnector1">
@@ -3320,7 +3280,7 @@
         </p:nvCxnSpPr>
         <p:spPr>
           <a:xfrm>
-            <a:off x="2498434" y="3696729"/>
+            <a:off x="5291061" y="3820297"/>
             <a:ext cx="1011003" cy="377965"/>
           </a:xfrm>
           <a:prstGeom prst="straightConnector1">
@@ -3357,7 +3317,7 @@
         </p:nvCxnSpPr>
         <p:spPr>
           <a:xfrm flipV="1">
-            <a:off x="2498434" y="4074694"/>
+            <a:off x="5291061" y="4198262"/>
             <a:ext cx="1011003" cy="279003"/>
           </a:xfrm>
           <a:prstGeom prst="straightConnector1">
@@ -3394,7 +3354,7 @@
         </p:nvCxnSpPr>
         <p:spPr>
           <a:xfrm flipV="1">
-            <a:off x="2498434" y="4074694"/>
+            <a:off x="5291061" y="4198262"/>
             <a:ext cx="1011003" cy="935971"/>
           </a:xfrm>
           <a:prstGeom prst="straightConnector1">
@@ -3508,6 +3468,425 @@
           </a:p>
         </p:txBody>
       </p:sp>
+      <p:sp>
+        <p:nvSpPr>
+          <p:cNvPr id="16" name="직사각형 15"/>
+          <p:cNvSpPr/>
+          <p:nvPr/>
+        </p:nvSpPr>
+        <p:spPr>
+          <a:xfrm>
+            <a:off x="402587" y="2884327"/>
+            <a:ext cx="2111228" cy="2249906"/>
+          </a:xfrm>
+          <a:prstGeom prst="rect">
+            <a:avLst/>
+          </a:prstGeom>
+        </p:spPr>
+        <p:style>
+          <a:lnRef idx="2">
+            <a:schemeClr val="accent1">
+              <a:shade val="50000"/>
+            </a:schemeClr>
+          </a:lnRef>
+          <a:fillRef idx="1">
+            <a:schemeClr val="accent1"/>
+          </a:fillRef>
+          <a:effectRef idx="0">
+            <a:schemeClr val="accent1"/>
+          </a:effectRef>
+          <a:fontRef idx="minor">
+            <a:schemeClr val="lt1"/>
+          </a:fontRef>
+        </p:style>
+        <p:txBody>
+          <a:bodyPr rtlCol="0" anchor="t"/>
+          <a:lstStyle/>
+          <a:p>
+            <a:pPr algn="ctr"/>
+            <a:r>
+              <a:rPr lang="en-US" altLang="ko-KR" dirty="0" smtClean="0"/>
+              <a:t>server</a:t>
+            </a:r>
+            <a:endParaRPr lang="ko-KR" altLang="en-US" dirty="0"/>
+          </a:p>
+        </p:txBody>
+      </p:sp>
+      <p:sp>
+        <p:nvSpPr>
+          <p:cNvPr id="20" name="직사각형 19"/>
+          <p:cNvSpPr/>
+          <p:nvPr/>
+        </p:nvSpPr>
+        <p:spPr>
+          <a:xfrm>
+            <a:off x="665103" y="3541295"/>
+            <a:ext cx="1586196" cy="558005"/>
+          </a:xfrm>
+          <a:prstGeom prst="rect">
+            <a:avLst/>
+          </a:prstGeom>
+        </p:spPr>
+        <p:style>
+          <a:lnRef idx="2">
+            <a:schemeClr val="accent1">
+              <a:shade val="50000"/>
+            </a:schemeClr>
+          </a:lnRef>
+          <a:fillRef idx="1">
+            <a:schemeClr val="accent1"/>
+          </a:fillRef>
+          <a:effectRef idx="0">
+            <a:schemeClr val="accent1"/>
+          </a:effectRef>
+          <a:fontRef idx="minor">
+            <a:schemeClr val="lt1"/>
+          </a:fontRef>
+        </p:style>
+        <p:txBody>
+          <a:bodyPr rtlCol="0" anchor="ctr"/>
+          <a:lstStyle/>
+          <a:p>
+            <a:pPr algn="ctr"/>
+            <a:r>
+              <a:rPr lang="en-US" altLang="ko-KR" dirty="0" smtClean="0"/>
+              <a:t>socket1</a:t>
+            </a:r>
+            <a:endParaRPr lang="ko-KR" altLang="en-US" dirty="0"/>
+          </a:p>
+        </p:txBody>
+      </p:sp>
+      <p:sp>
+        <p:nvSpPr>
+          <p:cNvPr id="21" name="직사각형 20"/>
+          <p:cNvSpPr/>
+          <p:nvPr/>
+        </p:nvSpPr>
+        <p:spPr>
+          <a:xfrm>
+            <a:off x="665103" y="4198262"/>
+            <a:ext cx="1586196" cy="558005"/>
+          </a:xfrm>
+          <a:prstGeom prst="rect">
+            <a:avLst/>
+          </a:prstGeom>
+        </p:spPr>
+        <p:style>
+          <a:lnRef idx="2">
+            <a:schemeClr val="accent1">
+              <a:shade val="50000"/>
+            </a:schemeClr>
+          </a:lnRef>
+          <a:fillRef idx="1">
+            <a:schemeClr val="accent1"/>
+          </a:fillRef>
+          <a:effectRef idx="0">
+            <a:schemeClr val="accent1"/>
+          </a:effectRef>
+          <a:fontRef idx="minor">
+            <a:schemeClr val="lt1"/>
+          </a:fontRef>
+        </p:style>
+        <p:txBody>
+          <a:bodyPr rtlCol="0" anchor="ctr"/>
+          <a:lstStyle/>
+          <a:p>
+            <a:pPr algn="ctr"/>
+            <a:r>
+              <a:rPr lang="en-US" altLang="ko-KR" dirty="0" smtClean="0"/>
+              <a:t>socket2</a:t>
+            </a:r>
+            <a:endParaRPr lang="ko-KR" altLang="en-US" dirty="0"/>
+          </a:p>
+        </p:txBody>
+      </p:sp>
+      <p:cxnSp>
+        <p:nvCxnSpPr>
+          <p:cNvPr id="11" name="직선 화살표 연결선 10"/>
+          <p:cNvCxnSpPr>
+            <a:stCxn id="20" idx="3"/>
+            <a:endCxn id="5" idx="1"/>
+          </p:cNvCxnSpPr>
+          <p:nvPr/>
+        </p:nvCxnSpPr>
+        <p:spPr>
+          <a:xfrm flipV="1">
+            <a:off x="2251299" y="3163331"/>
+            <a:ext cx="1453566" cy="656967"/>
+          </a:xfrm>
+          <a:prstGeom prst="straightConnector1">
+            <a:avLst/>
+          </a:prstGeom>
+          <a:ln>
+            <a:tailEnd type="triangle"/>
+          </a:ln>
+        </p:spPr>
+        <p:style>
+          <a:lnRef idx="1">
+            <a:schemeClr val="dk1"/>
+          </a:lnRef>
+          <a:fillRef idx="0">
+            <a:schemeClr val="dk1"/>
+          </a:fillRef>
+          <a:effectRef idx="0">
+            <a:schemeClr val="dk1"/>
+          </a:effectRef>
+          <a:fontRef idx="minor">
+            <a:schemeClr val="tx1"/>
+          </a:fontRef>
+        </p:style>
+      </p:cxnSp>
+      <p:cxnSp>
+        <p:nvCxnSpPr>
+          <p:cNvPr id="22" name="직선 화살표 연결선 21"/>
+          <p:cNvCxnSpPr>
+            <a:stCxn id="20" idx="3"/>
+            <a:endCxn id="6" idx="1"/>
+          </p:cNvCxnSpPr>
+          <p:nvPr/>
+        </p:nvCxnSpPr>
+        <p:spPr>
+          <a:xfrm flipV="1">
+            <a:off x="2251299" y="3820297"/>
+            <a:ext cx="1453566" cy="1"/>
+          </a:xfrm>
+          <a:prstGeom prst="straightConnector1">
+            <a:avLst/>
+          </a:prstGeom>
+          <a:ln>
+            <a:tailEnd type="triangle"/>
+          </a:ln>
+        </p:spPr>
+        <p:style>
+          <a:lnRef idx="1">
+            <a:schemeClr val="dk1"/>
+          </a:lnRef>
+          <a:fillRef idx="0">
+            <a:schemeClr val="dk1"/>
+          </a:fillRef>
+          <a:effectRef idx="0">
+            <a:schemeClr val="dk1"/>
+          </a:effectRef>
+          <a:fontRef idx="minor">
+            <a:schemeClr val="tx1"/>
+          </a:fontRef>
+        </p:style>
+      </p:cxnSp>
+      <p:cxnSp>
+        <p:nvCxnSpPr>
+          <p:cNvPr id="23" name="직선 화살표 연결선 22"/>
+          <p:cNvCxnSpPr>
+            <a:stCxn id="20" idx="3"/>
+            <a:endCxn id="7" idx="1"/>
+          </p:cNvCxnSpPr>
+          <p:nvPr/>
+        </p:nvCxnSpPr>
+        <p:spPr>
+          <a:xfrm>
+            <a:off x="2251299" y="3820298"/>
+            <a:ext cx="1453566" cy="656967"/>
+          </a:xfrm>
+          <a:prstGeom prst="straightConnector1">
+            <a:avLst/>
+          </a:prstGeom>
+          <a:ln>
+            <a:tailEnd type="triangle"/>
+          </a:ln>
+        </p:spPr>
+        <p:style>
+          <a:lnRef idx="1">
+            <a:schemeClr val="dk1"/>
+          </a:lnRef>
+          <a:fillRef idx="0">
+            <a:schemeClr val="dk1"/>
+          </a:fillRef>
+          <a:effectRef idx="0">
+            <a:schemeClr val="dk1"/>
+          </a:effectRef>
+          <a:fontRef idx="minor">
+            <a:schemeClr val="tx1"/>
+          </a:fontRef>
+        </p:style>
+      </p:cxnSp>
+      <p:cxnSp>
+        <p:nvCxnSpPr>
+          <p:cNvPr id="24" name="직선 화살표 연결선 23"/>
+          <p:cNvCxnSpPr>
+            <a:stCxn id="20" idx="3"/>
+            <a:endCxn id="8" idx="1"/>
+          </p:cNvCxnSpPr>
+          <p:nvPr/>
+        </p:nvCxnSpPr>
+        <p:spPr>
+          <a:xfrm>
+            <a:off x="2251299" y="3820298"/>
+            <a:ext cx="1453566" cy="1313935"/>
+          </a:xfrm>
+          <a:prstGeom prst="straightConnector1">
+            <a:avLst/>
+          </a:prstGeom>
+          <a:ln>
+            <a:tailEnd type="triangle"/>
+          </a:ln>
+        </p:spPr>
+        <p:style>
+          <a:lnRef idx="1">
+            <a:schemeClr val="dk1"/>
+          </a:lnRef>
+          <a:fillRef idx="0">
+            <a:schemeClr val="dk1"/>
+          </a:fillRef>
+          <a:effectRef idx="0">
+            <a:schemeClr val="dk1"/>
+          </a:effectRef>
+          <a:fontRef idx="minor">
+            <a:schemeClr val="tx1"/>
+          </a:fontRef>
+        </p:style>
+      </p:cxnSp>
+      <p:cxnSp>
+        <p:nvCxnSpPr>
+          <p:cNvPr id="25" name="직선 화살표 연결선 24"/>
+          <p:cNvCxnSpPr>
+            <a:stCxn id="21" idx="3"/>
+            <a:endCxn id="7" idx="1"/>
+          </p:cNvCxnSpPr>
+          <p:nvPr/>
+        </p:nvCxnSpPr>
+        <p:spPr>
+          <a:xfrm>
+            <a:off x="2251299" y="4477265"/>
+            <a:ext cx="1453566" cy="0"/>
+          </a:xfrm>
+          <a:prstGeom prst="straightConnector1">
+            <a:avLst/>
+          </a:prstGeom>
+          <a:ln>
+            <a:tailEnd type="triangle"/>
+          </a:ln>
+        </p:spPr>
+        <p:style>
+          <a:lnRef idx="1">
+            <a:schemeClr val="dk1"/>
+          </a:lnRef>
+          <a:fillRef idx="0">
+            <a:schemeClr val="dk1"/>
+          </a:fillRef>
+          <a:effectRef idx="0">
+            <a:schemeClr val="dk1"/>
+          </a:effectRef>
+          <a:fontRef idx="minor">
+            <a:schemeClr val="tx1"/>
+          </a:fontRef>
+        </p:style>
+      </p:cxnSp>
+      <p:cxnSp>
+        <p:nvCxnSpPr>
+          <p:cNvPr id="26" name="직선 화살표 연결선 25"/>
+          <p:cNvCxnSpPr>
+            <a:endCxn id="5" idx="1"/>
+          </p:cNvCxnSpPr>
+          <p:nvPr/>
+        </p:nvCxnSpPr>
+        <p:spPr>
+          <a:xfrm flipV="1">
+            <a:off x="2251299" y="3163331"/>
+            <a:ext cx="1453566" cy="1331933"/>
+          </a:xfrm>
+          <a:prstGeom prst="straightConnector1">
+            <a:avLst/>
+          </a:prstGeom>
+          <a:ln>
+            <a:tailEnd type="triangle"/>
+          </a:ln>
+        </p:spPr>
+        <p:style>
+          <a:lnRef idx="1">
+            <a:schemeClr val="dk1"/>
+          </a:lnRef>
+          <a:fillRef idx="0">
+            <a:schemeClr val="dk1"/>
+          </a:fillRef>
+          <a:effectRef idx="0">
+            <a:schemeClr val="dk1"/>
+          </a:effectRef>
+          <a:fontRef idx="minor">
+            <a:schemeClr val="tx1"/>
+          </a:fontRef>
+        </p:style>
+      </p:cxnSp>
+      <p:cxnSp>
+        <p:nvCxnSpPr>
+          <p:cNvPr id="27" name="직선 화살표 연결선 26"/>
+          <p:cNvCxnSpPr>
+            <a:stCxn id="21" idx="3"/>
+            <a:endCxn id="6" idx="1"/>
+          </p:cNvCxnSpPr>
+          <p:nvPr/>
+        </p:nvCxnSpPr>
+        <p:spPr>
+          <a:xfrm flipV="1">
+            <a:off x="2251299" y="3820297"/>
+            <a:ext cx="1453566" cy="656968"/>
+          </a:xfrm>
+          <a:prstGeom prst="straightConnector1">
+            <a:avLst/>
+          </a:prstGeom>
+          <a:ln>
+            <a:tailEnd type="triangle"/>
+          </a:ln>
+        </p:spPr>
+        <p:style>
+          <a:lnRef idx="1">
+            <a:schemeClr val="dk1"/>
+          </a:lnRef>
+          <a:fillRef idx="0">
+            <a:schemeClr val="dk1"/>
+          </a:fillRef>
+          <a:effectRef idx="0">
+            <a:schemeClr val="dk1"/>
+          </a:effectRef>
+          <a:fontRef idx="minor">
+            <a:schemeClr val="tx1"/>
+          </a:fontRef>
+        </p:style>
+      </p:cxnSp>
+      <p:cxnSp>
+        <p:nvCxnSpPr>
+          <p:cNvPr id="28" name="직선 화살표 연결선 27"/>
+          <p:cNvCxnSpPr>
+            <a:stCxn id="21" idx="3"/>
+            <a:endCxn id="8" idx="1"/>
+          </p:cNvCxnSpPr>
+          <p:nvPr/>
+        </p:nvCxnSpPr>
+        <p:spPr>
+          <a:xfrm>
+            <a:off x="2251299" y="4477265"/>
+            <a:ext cx="1453566" cy="656968"/>
+          </a:xfrm>
+          <a:prstGeom prst="straightConnector1">
+            <a:avLst/>
+          </a:prstGeom>
+          <a:ln>
+            <a:tailEnd type="triangle"/>
+          </a:ln>
+        </p:spPr>
+        <p:style>
+          <a:lnRef idx="1">
+            <a:schemeClr val="dk1"/>
+          </a:lnRef>
+          <a:fillRef idx="0">
+            <a:schemeClr val="dk1"/>
+          </a:fillRef>
+          <a:effectRef idx="0">
+            <a:schemeClr val="dk1"/>
+          </a:effectRef>
+          <a:fontRef idx="minor">
+            <a:schemeClr val="tx1"/>
+          </a:fontRef>
+        </p:style>
+      </p:cxnSp>
     </p:spTree>
     <p:extLst>
       <p:ext uri="{BB962C8B-B14F-4D97-AF65-F5344CB8AC3E}">
@@ -3562,11 +3941,15 @@
           <a:p>
             <a:r>
               <a:rPr lang="en-US" altLang="ko-KR" dirty="0" err="1" smtClean="0"/>
-              <a:t>BaseMalmServer</a:t>
+              <a:t>BaseMalm</a:t>
             </a:r>
             <a:r>
               <a:rPr lang="en-US" altLang="ko-KR" dirty="0" smtClean="0"/>
-              <a:t> architecture</a:t>
+              <a:t> </a:t>
+            </a:r>
+            <a:r>
+              <a:rPr lang="en-US" altLang="ko-KR" dirty="0" smtClean="0"/>
+              <a:t>architecture</a:t>
             </a:r>
             <a:endParaRPr lang="ko-KR" altLang="en-US" dirty="0"/>
           </a:p>

--- a/MALM architecture.pptx
+++ b/MALM architecture.pptx
@@ -7,6 +7,7 @@
   <p:sldIdLst>
     <p:sldId id="257" r:id="rId2"/>
     <p:sldId id="258" r:id="rId3"/>
+    <p:sldId id="259" r:id="rId4"/>
   </p:sldIdLst>
   <p:sldSz cx="12192000" cy="6858000"/>
   <p:notesSz cx="6858000" cy="9144000"/>
@@ -2990,8 +2991,8 @@
               <a:t>Server </a:t>
             </a:r>
             <a:r>
-              <a:rPr lang="en-US" altLang="ko-KR" dirty="0" smtClean="0"/>
-              <a:t>architecture</a:t>
+              <a:rPr lang="en-US" altLang="ko-KR" dirty="0"/>
+              <a:t>Architecture</a:t>
             </a:r>
             <a:endParaRPr lang="ko-KR" altLang="en-US" dirty="0"/>
           </a:p>
@@ -3005,7 +3006,7 @@
         </p:nvGrpSpPr>
         <p:grpSpPr>
           <a:xfrm>
-            <a:off x="3704865" y="2884328"/>
+            <a:off x="5813751" y="2884328"/>
             <a:ext cx="1586196" cy="2528907"/>
             <a:chOff x="912238" y="2760760"/>
             <a:chExt cx="1586196" cy="2528907"/>
@@ -3196,7 +3197,7 @@
         </p:nvSpPr>
         <p:spPr>
           <a:xfrm>
-            <a:off x="6302064" y="3703992"/>
+            <a:off x="8410950" y="3703992"/>
             <a:ext cx="1919298" cy="988540"/>
           </a:xfrm>
           <a:prstGeom prst="rect">
@@ -3243,7 +3244,7 @@
         </p:nvCxnSpPr>
         <p:spPr>
           <a:xfrm>
-            <a:off x="5291061" y="3163331"/>
+            <a:off x="7399947" y="3163331"/>
             <a:ext cx="1011003" cy="1034931"/>
           </a:xfrm>
           <a:prstGeom prst="straightConnector1">
@@ -3280,7 +3281,7 @@
         </p:nvCxnSpPr>
         <p:spPr>
           <a:xfrm>
-            <a:off x="5291061" y="3820297"/>
+            <a:off x="7399947" y="3820297"/>
             <a:ext cx="1011003" cy="377965"/>
           </a:xfrm>
           <a:prstGeom prst="straightConnector1">
@@ -3317,7 +3318,7 @@
         </p:nvCxnSpPr>
         <p:spPr>
           <a:xfrm flipV="1">
-            <a:off x="5291061" y="4198262"/>
+            <a:off x="7399947" y="4198262"/>
             <a:ext cx="1011003" cy="279003"/>
           </a:xfrm>
           <a:prstGeom prst="straightConnector1">
@@ -3354,7 +3355,7 @@
         </p:nvCxnSpPr>
         <p:spPr>
           <a:xfrm flipV="1">
-            <a:off x="5291061" y="4198262"/>
+            <a:off x="7399947" y="4198262"/>
             <a:ext cx="1011003" cy="935971"/>
           </a:xfrm>
           <a:prstGeom prst="straightConnector1">
@@ -3476,7 +3477,7 @@
         </p:nvSpPr>
         <p:spPr>
           <a:xfrm>
-            <a:off x="402587" y="2884327"/>
+            <a:off x="2511473" y="2884327"/>
             <a:ext cx="2111228" cy="2249906"/>
           </a:xfrm>
           <a:prstGeom prst="rect">
@@ -3520,7 +3521,7 @@
         </p:nvSpPr>
         <p:spPr>
           <a:xfrm>
-            <a:off x="665103" y="3541295"/>
+            <a:off x="2773989" y="3541295"/>
             <a:ext cx="1586196" cy="558005"/>
           </a:xfrm>
           <a:prstGeom prst="rect">
@@ -3564,7 +3565,7 @@
         </p:nvSpPr>
         <p:spPr>
           <a:xfrm>
-            <a:off x="665103" y="4198262"/>
+            <a:off x="2773989" y="4198262"/>
             <a:ext cx="1586196" cy="558005"/>
           </a:xfrm>
           <a:prstGeom prst="rect">
@@ -3611,7 +3612,7 @@
         </p:nvCxnSpPr>
         <p:spPr>
           <a:xfrm flipV="1">
-            <a:off x="2251299" y="3163331"/>
+            <a:off x="4360185" y="3163331"/>
             <a:ext cx="1453566" cy="656967"/>
           </a:xfrm>
           <a:prstGeom prst="straightConnector1">
@@ -3647,7 +3648,7 @@
         </p:nvCxnSpPr>
         <p:spPr>
           <a:xfrm flipV="1">
-            <a:off x="2251299" y="3820297"/>
+            <a:off x="4360185" y="3820297"/>
             <a:ext cx="1453566" cy="1"/>
           </a:xfrm>
           <a:prstGeom prst="straightConnector1">
@@ -3683,7 +3684,7 @@
         </p:nvCxnSpPr>
         <p:spPr>
           <a:xfrm>
-            <a:off x="2251299" y="3820298"/>
+            <a:off x="4360185" y="3820298"/>
             <a:ext cx="1453566" cy="656967"/>
           </a:xfrm>
           <a:prstGeom prst="straightConnector1">
@@ -3719,7 +3720,7 @@
         </p:nvCxnSpPr>
         <p:spPr>
           <a:xfrm>
-            <a:off x="2251299" y="3820298"/>
+            <a:off x="4360185" y="3820298"/>
             <a:ext cx="1453566" cy="1313935"/>
           </a:xfrm>
           <a:prstGeom prst="straightConnector1">
@@ -3755,7 +3756,7 @@
         </p:nvCxnSpPr>
         <p:spPr>
           <a:xfrm>
-            <a:off x="2251299" y="4477265"/>
+            <a:off x="4360185" y="4477265"/>
             <a:ext cx="1453566" cy="0"/>
           </a:xfrm>
           <a:prstGeom prst="straightConnector1">
@@ -3790,7 +3791,7 @@
         </p:nvCxnSpPr>
         <p:spPr>
           <a:xfrm flipV="1">
-            <a:off x="2251299" y="3163331"/>
+            <a:off x="4360185" y="3163331"/>
             <a:ext cx="1453566" cy="1331933"/>
           </a:xfrm>
           <a:prstGeom prst="straightConnector1">
@@ -3826,7 +3827,7 @@
         </p:nvCxnSpPr>
         <p:spPr>
           <a:xfrm flipV="1">
-            <a:off x="2251299" y="3820297"/>
+            <a:off x="4360185" y="3820297"/>
             <a:ext cx="1453566" cy="656968"/>
           </a:xfrm>
           <a:prstGeom prst="straightConnector1">
@@ -3862,8 +3863,88 @@
         </p:nvCxnSpPr>
         <p:spPr>
           <a:xfrm>
-            <a:off x="2251299" y="4477265"/>
+            <a:off x="4360185" y="4477265"/>
             <a:ext cx="1453566" cy="656968"/>
+          </a:xfrm>
+          <a:prstGeom prst="straightConnector1">
+            <a:avLst/>
+          </a:prstGeom>
+          <a:ln>
+            <a:tailEnd type="triangle"/>
+          </a:ln>
+        </p:spPr>
+        <p:style>
+          <a:lnRef idx="1">
+            <a:schemeClr val="dk1"/>
+          </a:lnRef>
+          <a:fillRef idx="0">
+            <a:schemeClr val="dk1"/>
+          </a:fillRef>
+          <a:effectRef idx="0">
+            <a:schemeClr val="dk1"/>
+          </a:effectRef>
+          <a:fontRef idx="minor">
+            <a:schemeClr val="tx1"/>
+          </a:fontRef>
+        </p:style>
+      </p:cxnSp>
+      <p:sp>
+        <p:nvSpPr>
+          <p:cNvPr id="3" name="타원 2"/>
+          <p:cNvSpPr/>
+          <p:nvPr/>
+        </p:nvSpPr>
+        <p:spPr>
+          <a:xfrm>
+            <a:off x="512852" y="3488697"/>
+            <a:ext cx="914400" cy="656967"/>
+          </a:xfrm>
+          <a:prstGeom prst="ellipse">
+            <a:avLst/>
+          </a:prstGeom>
+        </p:spPr>
+        <p:style>
+          <a:lnRef idx="2">
+            <a:schemeClr val="accent1">
+              <a:shade val="50000"/>
+            </a:schemeClr>
+          </a:lnRef>
+          <a:fillRef idx="1">
+            <a:schemeClr val="accent1"/>
+          </a:fillRef>
+          <a:effectRef idx="0">
+            <a:schemeClr val="accent1"/>
+          </a:effectRef>
+          <a:fontRef idx="minor">
+            <a:schemeClr val="lt1"/>
+          </a:fontRef>
+        </p:style>
+        <p:txBody>
+          <a:bodyPr rtlCol="0" anchor="ctr"/>
+          <a:lstStyle/>
+          <a:p>
+            <a:pPr algn="ctr"/>
+            <a:r>
+              <a:rPr lang="en-US" altLang="ko-KR" dirty="0" smtClean="0"/>
+              <a:t>User</a:t>
+            </a:r>
+            <a:endParaRPr lang="ko-KR" altLang="en-US" dirty="0"/>
+          </a:p>
+        </p:txBody>
+      </p:sp>
+      <p:cxnSp>
+        <p:nvCxnSpPr>
+          <p:cNvPr id="29" name="직선 화살표 연결선 28"/>
+          <p:cNvCxnSpPr>
+            <a:stCxn id="3" idx="6"/>
+            <a:endCxn id="20" idx="1"/>
+          </p:cNvCxnSpPr>
+          <p:nvPr/>
+        </p:nvCxnSpPr>
+        <p:spPr>
+          <a:xfrm>
+            <a:off x="1427252" y="3817181"/>
+            <a:ext cx="1346737" cy="3117"/>
           </a:xfrm>
           <a:prstGeom prst="straightConnector1">
             <a:avLst/>
@@ -3948,8 +4029,8 @@
               <a:t> </a:t>
             </a:r>
             <a:r>
-              <a:rPr lang="en-US" altLang="ko-KR" dirty="0" smtClean="0"/>
-              <a:t>architecture</a:t>
+              <a:rPr lang="en-US" altLang="ko-KR" dirty="0"/>
+              <a:t>Architecture</a:t>
             </a:r>
             <a:endParaRPr lang="ko-KR" altLang="en-US" dirty="0"/>
           </a:p>
@@ -4608,6 +4689,82 @@
       </p:par>
     </p:tnLst>
   </p:timing>
+</p:sld>
+</file>
+
+<file path=ppt/slides/slide3.xml><?xml version="1.0" encoding="utf-8"?>
+<p:sld xmlns:a="http://schemas.openxmlformats.org/drawingml/2006/main" xmlns:r="http://schemas.openxmlformats.org/officeDocument/2006/relationships" xmlns:p="http://schemas.openxmlformats.org/presentationml/2006/main">
+  <p:cSld>
+    <p:spTree>
+      <p:nvGrpSpPr>
+        <p:cNvPr id="1" name=""/>
+        <p:cNvGrpSpPr/>
+        <p:nvPr/>
+      </p:nvGrpSpPr>
+      <p:grpSpPr>
+        <a:xfrm>
+          <a:off x="0" y="0"/>
+          <a:ext cx="0" cy="0"/>
+          <a:chOff x="0" y="0"/>
+          <a:chExt cx="0" cy="0"/>
+        </a:xfrm>
+      </p:grpSpPr>
+      <p:sp>
+        <p:nvSpPr>
+          <p:cNvPr id="2" name="제목 1"/>
+          <p:cNvSpPr>
+            <a:spLocks noGrp="1"/>
+          </p:cNvSpPr>
+          <p:nvPr>
+            <p:ph type="title"/>
+          </p:nvPr>
+        </p:nvSpPr>
+        <p:spPr/>
+        <p:txBody>
+          <a:bodyPr/>
+          <a:lstStyle/>
+          <a:p>
+            <a:r>
+              <a:rPr lang="en-US" altLang="ko-KR" dirty="0" err="1" smtClean="0"/>
+              <a:t>ThingsManager</a:t>
+            </a:r>
+            <a:r>
+              <a:rPr lang="en-US" altLang="ko-KR" dirty="0" smtClean="0"/>
+              <a:t> Architecture</a:t>
+            </a:r>
+            <a:endParaRPr lang="ko-KR" altLang="en-US" dirty="0"/>
+          </a:p>
+        </p:txBody>
+      </p:sp>
+      <p:sp>
+        <p:nvSpPr>
+          <p:cNvPr id="3" name="내용 개체 틀 2"/>
+          <p:cNvSpPr>
+            <a:spLocks noGrp="1"/>
+          </p:cNvSpPr>
+          <p:nvPr>
+            <p:ph idx="1"/>
+          </p:nvPr>
+        </p:nvSpPr>
+        <p:spPr/>
+        <p:txBody>
+          <a:bodyPr/>
+          <a:lstStyle/>
+          <a:p>
+            <a:endParaRPr lang="ko-KR" altLang="en-US"/>
+          </a:p>
+        </p:txBody>
+      </p:sp>
+    </p:spTree>
+    <p:extLst>
+      <p:ext uri="{BB962C8B-B14F-4D97-AF65-F5344CB8AC3E}">
+        <p14:creationId xmlns:p14="http://schemas.microsoft.com/office/powerpoint/2010/main" val="59617348"/>
+      </p:ext>
+    </p:extLst>
+  </p:cSld>
+  <p:clrMapOvr>
+    <a:masterClrMapping/>
+  </p:clrMapOvr>
 </p:sld>
 </file>
 

--- a/MALM architecture.pptx
+++ b/MALM architecture.pptx
@@ -7,7 +7,6 @@
   <p:sldIdLst>
     <p:sldId id="257" r:id="rId2"/>
     <p:sldId id="258" r:id="rId3"/>
-    <p:sldId id="259" r:id="rId4"/>
   </p:sldIdLst>
   <p:sldSz cx="12192000" cy="6858000"/>
   <p:notesSz cx="6858000" cy="9144000"/>
@@ -245,7 +244,7 @@
           <a:p>
             <a:fld id="{4069A885-E4D2-42EA-9375-43751F394703}" type="datetimeFigureOut">
               <a:rPr lang="ko-KR" altLang="en-US" smtClean="0"/>
-              <a:t>2015-12-08</a:t>
+              <a:t>2015-12-09</a:t>
             </a:fld>
             <a:endParaRPr lang="ko-KR" altLang="en-US"/>
           </a:p>
@@ -415,7 +414,7 @@
           <a:p>
             <a:fld id="{4069A885-E4D2-42EA-9375-43751F394703}" type="datetimeFigureOut">
               <a:rPr lang="ko-KR" altLang="en-US" smtClean="0"/>
-              <a:t>2015-12-08</a:t>
+              <a:t>2015-12-09</a:t>
             </a:fld>
             <a:endParaRPr lang="ko-KR" altLang="en-US"/>
           </a:p>
@@ -595,7 +594,7 @@
           <a:p>
             <a:fld id="{4069A885-E4D2-42EA-9375-43751F394703}" type="datetimeFigureOut">
               <a:rPr lang="ko-KR" altLang="en-US" smtClean="0"/>
-              <a:t>2015-12-08</a:t>
+              <a:t>2015-12-09</a:t>
             </a:fld>
             <a:endParaRPr lang="ko-KR" altLang="en-US"/>
           </a:p>
@@ -765,7 +764,7 @@
           <a:p>
             <a:fld id="{4069A885-E4D2-42EA-9375-43751F394703}" type="datetimeFigureOut">
               <a:rPr lang="ko-KR" altLang="en-US" smtClean="0"/>
-              <a:t>2015-12-08</a:t>
+              <a:t>2015-12-09</a:t>
             </a:fld>
             <a:endParaRPr lang="ko-KR" altLang="en-US"/>
           </a:p>
@@ -1011,7 +1010,7 @@
           <a:p>
             <a:fld id="{4069A885-E4D2-42EA-9375-43751F394703}" type="datetimeFigureOut">
               <a:rPr lang="ko-KR" altLang="en-US" smtClean="0"/>
-              <a:t>2015-12-08</a:t>
+              <a:t>2015-12-09</a:t>
             </a:fld>
             <a:endParaRPr lang="ko-KR" altLang="en-US"/>
           </a:p>
@@ -1243,7 +1242,7 @@
           <a:p>
             <a:fld id="{4069A885-E4D2-42EA-9375-43751F394703}" type="datetimeFigureOut">
               <a:rPr lang="ko-KR" altLang="en-US" smtClean="0"/>
-              <a:t>2015-12-08</a:t>
+              <a:t>2015-12-09</a:t>
             </a:fld>
             <a:endParaRPr lang="ko-KR" altLang="en-US"/>
           </a:p>
@@ -1610,7 +1609,7 @@
           <a:p>
             <a:fld id="{4069A885-E4D2-42EA-9375-43751F394703}" type="datetimeFigureOut">
               <a:rPr lang="ko-KR" altLang="en-US" smtClean="0"/>
-              <a:t>2015-12-08</a:t>
+              <a:t>2015-12-09</a:t>
             </a:fld>
             <a:endParaRPr lang="ko-KR" altLang="en-US"/>
           </a:p>
@@ -1728,7 +1727,7 @@
           <a:p>
             <a:fld id="{4069A885-E4D2-42EA-9375-43751F394703}" type="datetimeFigureOut">
               <a:rPr lang="ko-KR" altLang="en-US" smtClean="0"/>
-              <a:t>2015-12-08</a:t>
+              <a:t>2015-12-09</a:t>
             </a:fld>
             <a:endParaRPr lang="ko-KR" altLang="en-US"/>
           </a:p>
@@ -1823,7 +1822,7 @@
           <a:p>
             <a:fld id="{4069A885-E4D2-42EA-9375-43751F394703}" type="datetimeFigureOut">
               <a:rPr lang="ko-KR" altLang="en-US" smtClean="0"/>
-              <a:t>2015-12-08</a:t>
+              <a:t>2015-12-09</a:t>
             </a:fld>
             <a:endParaRPr lang="ko-KR" altLang="en-US"/>
           </a:p>
@@ -2100,7 +2099,7 @@
           <a:p>
             <a:fld id="{4069A885-E4D2-42EA-9375-43751F394703}" type="datetimeFigureOut">
               <a:rPr lang="ko-KR" altLang="en-US" smtClean="0"/>
-              <a:t>2015-12-08</a:t>
+              <a:t>2015-12-09</a:t>
             </a:fld>
             <a:endParaRPr lang="ko-KR" altLang="en-US"/>
           </a:p>
@@ -2353,7 +2352,7 @@
           <a:p>
             <a:fld id="{4069A885-E4D2-42EA-9375-43751F394703}" type="datetimeFigureOut">
               <a:rPr lang="ko-KR" altLang="en-US" smtClean="0"/>
-              <a:t>2015-12-08</a:t>
+              <a:t>2015-12-09</a:t>
             </a:fld>
             <a:endParaRPr lang="ko-KR" altLang="en-US"/>
           </a:p>
@@ -2566,7 +2565,7 @@
           <a:p>
             <a:fld id="{4069A885-E4D2-42EA-9375-43751F394703}" type="datetimeFigureOut">
               <a:rPr lang="ko-KR" altLang="en-US" smtClean="0"/>
-              <a:t>2015-12-08</a:t>
+              <a:t>2015-12-09</a:t>
             </a:fld>
             <a:endParaRPr lang="ko-KR" altLang="en-US"/>
           </a:p>
@@ -2998,207 +2997,16 @@
           </a:p>
         </p:txBody>
       </p:sp>
-      <p:grpSp>
-        <p:nvGrpSpPr>
-          <p:cNvPr id="10" name="그룹 9"/>
-          <p:cNvGrpSpPr/>
-          <p:nvPr/>
-        </p:nvGrpSpPr>
-        <p:grpSpPr>
-          <a:xfrm>
-            <a:off x="5813751" y="2884328"/>
-            <a:ext cx="1586196" cy="2528907"/>
-            <a:chOff x="912238" y="2760760"/>
-            <a:chExt cx="1586196" cy="2528907"/>
-          </a:xfrm>
-        </p:grpSpPr>
-        <p:sp>
-          <p:nvSpPr>
-            <p:cNvPr id="5" name="직사각형 4"/>
-            <p:cNvSpPr/>
-            <p:nvPr/>
-          </p:nvSpPr>
-          <p:spPr>
-            <a:xfrm>
-              <a:off x="912238" y="2760760"/>
-              <a:ext cx="1586196" cy="558005"/>
-            </a:xfrm>
-            <a:prstGeom prst="rect">
-              <a:avLst/>
-            </a:prstGeom>
-          </p:spPr>
-          <p:style>
-            <a:lnRef idx="2">
-              <a:schemeClr val="accent2">
-                <a:shade val="50000"/>
-              </a:schemeClr>
-            </a:lnRef>
-            <a:fillRef idx="1">
-              <a:schemeClr val="accent2"/>
-            </a:fillRef>
-            <a:effectRef idx="0">
-              <a:schemeClr val="accent2"/>
-            </a:effectRef>
-            <a:fontRef idx="minor">
-              <a:schemeClr val="lt1"/>
-            </a:fontRef>
-          </p:style>
-          <p:txBody>
-            <a:bodyPr rtlCol="0" anchor="ctr"/>
-            <a:lstStyle/>
-            <a:p>
-              <a:pPr algn="ctr"/>
-              <a:r>
-                <a:rPr lang="en-US" altLang="ko-KR" dirty="0" smtClean="0"/>
-                <a:t>Malm1</a:t>
-              </a:r>
-              <a:endParaRPr lang="ko-KR" altLang="en-US" dirty="0"/>
-            </a:p>
-          </p:txBody>
-        </p:sp>
-        <p:sp>
-          <p:nvSpPr>
-            <p:cNvPr id="6" name="직사각형 5"/>
-            <p:cNvSpPr/>
-            <p:nvPr/>
-          </p:nvSpPr>
-          <p:spPr>
-            <a:xfrm>
-              <a:off x="912238" y="3417727"/>
-              <a:ext cx="1586196" cy="558004"/>
-            </a:xfrm>
-            <a:prstGeom prst="rect">
-              <a:avLst/>
-            </a:prstGeom>
-          </p:spPr>
-          <p:style>
-            <a:lnRef idx="2">
-              <a:schemeClr val="accent2">
-                <a:shade val="50000"/>
-              </a:schemeClr>
-            </a:lnRef>
-            <a:fillRef idx="1">
-              <a:schemeClr val="accent2"/>
-            </a:fillRef>
-            <a:effectRef idx="0">
-              <a:schemeClr val="accent2"/>
-            </a:effectRef>
-            <a:fontRef idx="minor">
-              <a:schemeClr val="lt1"/>
-            </a:fontRef>
-          </p:style>
-          <p:txBody>
-            <a:bodyPr rtlCol="0" anchor="ctr"/>
-            <a:lstStyle/>
-            <a:p>
-              <a:pPr algn="ctr"/>
-              <a:r>
-                <a:rPr lang="en-US" altLang="ko-KR" dirty="0" smtClean="0"/>
-                <a:t>Malm2</a:t>
-              </a:r>
-              <a:endParaRPr lang="ko-KR" altLang="en-US" dirty="0"/>
-            </a:p>
-          </p:txBody>
-        </p:sp>
-        <p:sp>
-          <p:nvSpPr>
-            <p:cNvPr id="7" name="직사각형 6"/>
-            <p:cNvSpPr/>
-            <p:nvPr/>
-          </p:nvSpPr>
-          <p:spPr>
-            <a:xfrm>
-              <a:off x="912238" y="4074694"/>
-              <a:ext cx="1586196" cy="558005"/>
-            </a:xfrm>
-            <a:prstGeom prst="rect">
-              <a:avLst/>
-            </a:prstGeom>
-          </p:spPr>
-          <p:style>
-            <a:lnRef idx="2">
-              <a:schemeClr val="accent2">
-                <a:shade val="50000"/>
-              </a:schemeClr>
-            </a:lnRef>
-            <a:fillRef idx="1">
-              <a:schemeClr val="accent2"/>
-            </a:fillRef>
-            <a:effectRef idx="0">
-              <a:schemeClr val="accent2"/>
-            </a:effectRef>
-            <a:fontRef idx="minor">
-              <a:schemeClr val="lt1"/>
-            </a:fontRef>
-          </p:style>
-          <p:txBody>
-            <a:bodyPr rtlCol="0" anchor="ctr"/>
-            <a:lstStyle/>
-            <a:p>
-              <a:pPr algn="ctr"/>
-              <a:r>
-                <a:rPr lang="en-US" altLang="ko-KR" dirty="0" smtClean="0"/>
-                <a:t>Malm3</a:t>
-              </a:r>
-              <a:endParaRPr lang="ko-KR" altLang="en-US" dirty="0"/>
-            </a:p>
-          </p:txBody>
-        </p:sp>
-        <p:sp>
-          <p:nvSpPr>
-            <p:cNvPr id="8" name="직사각형 7"/>
-            <p:cNvSpPr/>
-            <p:nvPr/>
-          </p:nvSpPr>
-          <p:spPr>
-            <a:xfrm>
-              <a:off x="912238" y="4731662"/>
-              <a:ext cx="1586196" cy="558005"/>
-            </a:xfrm>
-            <a:prstGeom prst="rect">
-              <a:avLst/>
-            </a:prstGeom>
-          </p:spPr>
-          <p:style>
-            <a:lnRef idx="2">
-              <a:schemeClr val="accent2">
-                <a:shade val="50000"/>
-              </a:schemeClr>
-            </a:lnRef>
-            <a:fillRef idx="1">
-              <a:schemeClr val="accent2"/>
-            </a:fillRef>
-            <a:effectRef idx="0">
-              <a:schemeClr val="accent2"/>
-            </a:effectRef>
-            <a:fontRef idx="minor">
-              <a:schemeClr val="lt1"/>
-            </a:fontRef>
-          </p:style>
-          <p:txBody>
-            <a:bodyPr rtlCol="0" anchor="ctr"/>
-            <a:lstStyle/>
-            <a:p>
-              <a:pPr algn="ctr"/>
-              <a:r>
-                <a:rPr lang="en-US" altLang="ko-KR" dirty="0" smtClean="0"/>
-                <a:t>Malm4</a:t>
-              </a:r>
-              <a:endParaRPr lang="ko-KR" altLang="en-US" dirty="0"/>
-            </a:p>
-          </p:txBody>
-        </p:sp>
-      </p:grpSp>
-      <p:sp>
-        <p:nvSpPr>
-          <p:cNvPr id="9" name="직사각형 8"/>
+      <p:sp>
+        <p:nvSpPr>
+          <p:cNvPr id="5" name="직사각형 4"/>
           <p:cNvSpPr/>
           <p:nvPr/>
         </p:nvSpPr>
         <p:spPr>
           <a:xfrm>
-            <a:off x="8410950" y="3703992"/>
-            <a:ext cx="1919298" cy="988540"/>
+            <a:off x="5393621" y="3919259"/>
+            <a:ext cx="1586196" cy="558005"/>
           </a:xfrm>
           <a:prstGeom prst="rect">
             <a:avLst/>
@@ -3227,160 +3035,12 @@
             <a:pPr algn="ctr"/>
             <a:r>
               <a:rPr lang="en-US" altLang="ko-KR" dirty="0" err="1" smtClean="0"/>
-              <a:t>ThingsManager</a:t>
+              <a:t>Malm</a:t>
             </a:r>
             <a:endParaRPr lang="ko-KR" altLang="en-US" dirty="0"/>
           </a:p>
         </p:txBody>
       </p:sp>
-      <p:cxnSp>
-        <p:nvCxnSpPr>
-          <p:cNvPr id="12" name="직선 화살표 연결선 11"/>
-          <p:cNvCxnSpPr>
-            <a:stCxn id="5" idx="3"/>
-            <a:endCxn id="9" idx="1"/>
-          </p:cNvCxnSpPr>
-          <p:nvPr/>
-        </p:nvCxnSpPr>
-        <p:spPr>
-          <a:xfrm>
-            <a:off x="7399947" y="3163331"/>
-            <a:ext cx="1011003" cy="1034931"/>
-          </a:xfrm>
-          <a:prstGeom prst="straightConnector1">
-            <a:avLst/>
-          </a:prstGeom>
-          <a:ln>
-            <a:headEnd type="triangle"/>
-            <a:tailEnd type="triangle"/>
-          </a:ln>
-        </p:spPr>
-        <p:style>
-          <a:lnRef idx="1">
-            <a:schemeClr val="dk1"/>
-          </a:lnRef>
-          <a:fillRef idx="0">
-            <a:schemeClr val="dk1"/>
-          </a:fillRef>
-          <a:effectRef idx="0">
-            <a:schemeClr val="dk1"/>
-          </a:effectRef>
-          <a:fontRef idx="minor">
-            <a:schemeClr val="tx1"/>
-          </a:fontRef>
-        </p:style>
-      </p:cxnSp>
-      <p:cxnSp>
-        <p:nvCxnSpPr>
-          <p:cNvPr id="17" name="직선 화살표 연결선 16"/>
-          <p:cNvCxnSpPr>
-            <a:stCxn id="6" idx="3"/>
-            <a:endCxn id="9" idx="1"/>
-          </p:cNvCxnSpPr>
-          <p:nvPr/>
-        </p:nvCxnSpPr>
-        <p:spPr>
-          <a:xfrm>
-            <a:off x="7399947" y="3820297"/>
-            <a:ext cx="1011003" cy="377965"/>
-          </a:xfrm>
-          <a:prstGeom prst="straightConnector1">
-            <a:avLst/>
-          </a:prstGeom>
-          <a:ln>
-            <a:headEnd type="triangle"/>
-            <a:tailEnd type="triangle"/>
-          </a:ln>
-        </p:spPr>
-        <p:style>
-          <a:lnRef idx="1">
-            <a:schemeClr val="dk1"/>
-          </a:lnRef>
-          <a:fillRef idx="0">
-            <a:schemeClr val="dk1"/>
-          </a:fillRef>
-          <a:effectRef idx="0">
-            <a:schemeClr val="dk1"/>
-          </a:effectRef>
-          <a:fontRef idx="minor">
-            <a:schemeClr val="tx1"/>
-          </a:fontRef>
-        </p:style>
-      </p:cxnSp>
-      <p:cxnSp>
-        <p:nvCxnSpPr>
-          <p:cNvPr id="18" name="직선 화살표 연결선 17"/>
-          <p:cNvCxnSpPr>
-            <a:stCxn id="7" idx="3"/>
-            <a:endCxn id="9" idx="1"/>
-          </p:cNvCxnSpPr>
-          <p:nvPr/>
-        </p:nvCxnSpPr>
-        <p:spPr>
-          <a:xfrm flipV="1">
-            <a:off x="7399947" y="4198262"/>
-            <a:ext cx="1011003" cy="279003"/>
-          </a:xfrm>
-          <a:prstGeom prst="straightConnector1">
-            <a:avLst/>
-          </a:prstGeom>
-          <a:ln>
-            <a:headEnd type="triangle"/>
-            <a:tailEnd type="triangle"/>
-          </a:ln>
-        </p:spPr>
-        <p:style>
-          <a:lnRef idx="1">
-            <a:schemeClr val="dk1"/>
-          </a:lnRef>
-          <a:fillRef idx="0">
-            <a:schemeClr val="dk1"/>
-          </a:fillRef>
-          <a:effectRef idx="0">
-            <a:schemeClr val="dk1"/>
-          </a:effectRef>
-          <a:fontRef idx="minor">
-            <a:schemeClr val="tx1"/>
-          </a:fontRef>
-        </p:style>
-      </p:cxnSp>
-      <p:cxnSp>
-        <p:nvCxnSpPr>
-          <p:cNvPr id="19" name="직선 화살표 연결선 18"/>
-          <p:cNvCxnSpPr>
-            <a:stCxn id="8" idx="3"/>
-            <a:endCxn id="9" idx="1"/>
-          </p:cNvCxnSpPr>
-          <p:nvPr/>
-        </p:nvCxnSpPr>
-        <p:spPr>
-          <a:xfrm flipV="1">
-            <a:off x="7399947" y="4198262"/>
-            <a:ext cx="1011003" cy="935971"/>
-          </a:xfrm>
-          <a:prstGeom prst="straightConnector1">
-            <a:avLst/>
-          </a:prstGeom>
-          <a:ln>
-            <a:headEnd type="triangle"/>
-            <a:tailEnd type="triangle"/>
-          </a:ln>
-        </p:spPr>
-        <p:style>
-          <a:lnRef idx="1">
-            <a:schemeClr val="dk1"/>
-          </a:lnRef>
-          <a:fillRef idx="0">
-            <a:schemeClr val="dk1"/>
-          </a:fillRef>
-          <a:effectRef idx="0">
-            <a:schemeClr val="dk1"/>
-          </a:effectRef>
-          <a:fontRef idx="minor">
-            <a:schemeClr val="tx1"/>
-          </a:fontRef>
-        </p:style>
-      </p:cxnSp>
       <p:sp>
         <p:nvSpPr>
           <p:cNvPr id="34" name="직사각형 33"/>
@@ -3477,8 +3137,8 @@
         </p:nvSpPr>
         <p:spPr>
           <a:xfrm>
-            <a:off x="2511473" y="2884327"/>
-            <a:ext cx="2111228" cy="2249906"/>
+            <a:off x="2511473" y="2884326"/>
+            <a:ext cx="2111228" cy="2486743"/>
           </a:xfrm>
           <a:prstGeom prst="rect">
             <a:avLst/>
@@ -3611,153 +3271,9 @@
           <p:nvPr/>
         </p:nvCxnSpPr>
         <p:spPr>
-          <a:xfrm flipV="1">
-            <a:off x="4360185" y="3163331"/>
-            <a:ext cx="1453566" cy="656967"/>
-          </a:xfrm>
-          <a:prstGeom prst="straightConnector1">
-            <a:avLst/>
-          </a:prstGeom>
-          <a:ln>
-            <a:tailEnd type="triangle"/>
-          </a:ln>
-        </p:spPr>
-        <p:style>
-          <a:lnRef idx="1">
-            <a:schemeClr val="dk1"/>
-          </a:lnRef>
-          <a:fillRef idx="0">
-            <a:schemeClr val="dk1"/>
-          </a:fillRef>
-          <a:effectRef idx="0">
-            <a:schemeClr val="dk1"/>
-          </a:effectRef>
-          <a:fontRef idx="minor">
-            <a:schemeClr val="tx1"/>
-          </a:fontRef>
-        </p:style>
-      </p:cxnSp>
-      <p:cxnSp>
-        <p:nvCxnSpPr>
-          <p:cNvPr id="22" name="직선 화살표 연결선 21"/>
-          <p:cNvCxnSpPr>
-            <a:stCxn id="20" idx="3"/>
-            <a:endCxn id="6" idx="1"/>
-          </p:cNvCxnSpPr>
-          <p:nvPr/>
-        </p:nvCxnSpPr>
-        <p:spPr>
-          <a:xfrm flipV="1">
-            <a:off x="4360185" y="3820297"/>
-            <a:ext cx="1453566" cy="1"/>
-          </a:xfrm>
-          <a:prstGeom prst="straightConnector1">
-            <a:avLst/>
-          </a:prstGeom>
-          <a:ln>
-            <a:tailEnd type="triangle"/>
-          </a:ln>
-        </p:spPr>
-        <p:style>
-          <a:lnRef idx="1">
-            <a:schemeClr val="dk1"/>
-          </a:lnRef>
-          <a:fillRef idx="0">
-            <a:schemeClr val="dk1"/>
-          </a:fillRef>
-          <a:effectRef idx="0">
-            <a:schemeClr val="dk1"/>
-          </a:effectRef>
-          <a:fontRef idx="minor">
-            <a:schemeClr val="tx1"/>
-          </a:fontRef>
-        </p:style>
-      </p:cxnSp>
-      <p:cxnSp>
-        <p:nvCxnSpPr>
-          <p:cNvPr id="23" name="직선 화살표 연결선 22"/>
-          <p:cNvCxnSpPr>
-            <a:stCxn id="20" idx="3"/>
-            <a:endCxn id="7" idx="1"/>
-          </p:cNvCxnSpPr>
-          <p:nvPr/>
-        </p:nvCxnSpPr>
-        <p:spPr>
           <a:xfrm>
             <a:off x="4360185" y="3820298"/>
-            <a:ext cx="1453566" cy="656967"/>
-          </a:xfrm>
-          <a:prstGeom prst="straightConnector1">
-            <a:avLst/>
-          </a:prstGeom>
-          <a:ln>
-            <a:tailEnd type="triangle"/>
-          </a:ln>
-        </p:spPr>
-        <p:style>
-          <a:lnRef idx="1">
-            <a:schemeClr val="dk1"/>
-          </a:lnRef>
-          <a:fillRef idx="0">
-            <a:schemeClr val="dk1"/>
-          </a:fillRef>
-          <a:effectRef idx="0">
-            <a:schemeClr val="dk1"/>
-          </a:effectRef>
-          <a:fontRef idx="minor">
-            <a:schemeClr val="tx1"/>
-          </a:fontRef>
-        </p:style>
-      </p:cxnSp>
-      <p:cxnSp>
-        <p:nvCxnSpPr>
-          <p:cNvPr id="24" name="직선 화살표 연결선 23"/>
-          <p:cNvCxnSpPr>
-            <a:stCxn id="20" idx="3"/>
-            <a:endCxn id="8" idx="1"/>
-          </p:cNvCxnSpPr>
-          <p:nvPr/>
-        </p:nvCxnSpPr>
-        <p:spPr>
-          <a:xfrm>
-            <a:off x="4360185" y="3820298"/>
-            <a:ext cx="1453566" cy="1313935"/>
-          </a:xfrm>
-          <a:prstGeom prst="straightConnector1">
-            <a:avLst/>
-          </a:prstGeom>
-          <a:ln>
-            <a:tailEnd type="triangle"/>
-          </a:ln>
-        </p:spPr>
-        <p:style>
-          <a:lnRef idx="1">
-            <a:schemeClr val="dk1"/>
-          </a:lnRef>
-          <a:fillRef idx="0">
-            <a:schemeClr val="dk1"/>
-          </a:fillRef>
-          <a:effectRef idx="0">
-            <a:schemeClr val="dk1"/>
-          </a:effectRef>
-          <a:fontRef idx="minor">
-            <a:schemeClr val="tx1"/>
-          </a:fontRef>
-        </p:style>
-      </p:cxnSp>
-      <p:cxnSp>
-        <p:nvCxnSpPr>
-          <p:cNvPr id="25" name="직선 화살표 연결선 24"/>
-          <p:cNvCxnSpPr>
-            <a:stCxn id="21" idx="3"/>
-            <a:endCxn id="7" idx="1"/>
-          </p:cNvCxnSpPr>
-          <p:nvPr/>
-        </p:nvCxnSpPr>
-        <p:spPr>
-          <a:xfrm>
-            <a:off x="4360185" y="4477265"/>
-            <a:ext cx="1453566" cy="0"/>
+            <a:ext cx="1033436" cy="377964"/>
           </a:xfrm>
           <a:prstGeom prst="straightConnector1">
             <a:avLst/>
@@ -3785,86 +3301,15 @@
         <p:nvCxnSpPr>
           <p:cNvPr id="26" name="직선 화살표 연결선 25"/>
           <p:cNvCxnSpPr>
+            <a:stCxn id="21" idx="3"/>
             <a:endCxn id="5" idx="1"/>
           </p:cNvCxnSpPr>
           <p:nvPr/>
         </p:nvCxnSpPr>
         <p:spPr>
           <a:xfrm flipV="1">
-            <a:off x="4360185" y="3163331"/>
-            <a:ext cx="1453566" cy="1331933"/>
-          </a:xfrm>
-          <a:prstGeom prst="straightConnector1">
-            <a:avLst/>
-          </a:prstGeom>
-          <a:ln>
-            <a:tailEnd type="triangle"/>
-          </a:ln>
-        </p:spPr>
-        <p:style>
-          <a:lnRef idx="1">
-            <a:schemeClr val="dk1"/>
-          </a:lnRef>
-          <a:fillRef idx="0">
-            <a:schemeClr val="dk1"/>
-          </a:fillRef>
-          <a:effectRef idx="0">
-            <a:schemeClr val="dk1"/>
-          </a:effectRef>
-          <a:fontRef idx="minor">
-            <a:schemeClr val="tx1"/>
-          </a:fontRef>
-        </p:style>
-      </p:cxnSp>
-      <p:cxnSp>
-        <p:nvCxnSpPr>
-          <p:cNvPr id="27" name="직선 화살표 연결선 26"/>
-          <p:cNvCxnSpPr>
-            <a:stCxn id="21" idx="3"/>
-            <a:endCxn id="6" idx="1"/>
-          </p:cNvCxnSpPr>
-          <p:nvPr/>
-        </p:nvCxnSpPr>
-        <p:spPr>
-          <a:xfrm flipV="1">
-            <a:off x="4360185" y="3820297"/>
-            <a:ext cx="1453566" cy="656968"/>
-          </a:xfrm>
-          <a:prstGeom prst="straightConnector1">
-            <a:avLst/>
-          </a:prstGeom>
-          <a:ln>
-            <a:tailEnd type="triangle"/>
-          </a:ln>
-        </p:spPr>
-        <p:style>
-          <a:lnRef idx="1">
-            <a:schemeClr val="dk1"/>
-          </a:lnRef>
-          <a:fillRef idx="0">
-            <a:schemeClr val="dk1"/>
-          </a:fillRef>
-          <a:effectRef idx="0">
-            <a:schemeClr val="dk1"/>
-          </a:effectRef>
-          <a:fontRef idx="minor">
-            <a:schemeClr val="tx1"/>
-          </a:fontRef>
-        </p:style>
-      </p:cxnSp>
-      <p:cxnSp>
-        <p:nvCxnSpPr>
-          <p:cNvPr id="28" name="직선 화살표 연결선 27"/>
-          <p:cNvCxnSpPr>
-            <a:stCxn id="21" idx="3"/>
-            <a:endCxn id="8" idx="1"/>
-          </p:cNvCxnSpPr>
-          <p:nvPr/>
-        </p:nvCxnSpPr>
-        <p:spPr>
-          <a:xfrm>
-            <a:off x="4360185" y="4477265"/>
-            <a:ext cx="1453566" cy="656968"/>
+            <a:off x="4360185" y="4198262"/>
+            <a:ext cx="1033436" cy="279003"/>
           </a:xfrm>
           <a:prstGeom prst="straightConnector1">
             <a:avLst/>
@@ -4022,7 +3467,7 @@
           <a:p>
             <a:r>
               <a:rPr lang="en-US" altLang="ko-KR" dirty="0" err="1" smtClean="0"/>
-              <a:t>BaseMalm</a:t>
+              <a:t>Malm</a:t>
             </a:r>
             <a:r>
               <a:rPr lang="en-US" altLang="ko-KR" dirty="0" smtClean="0"/>
@@ -4689,82 +4134,6 @@
       </p:par>
     </p:tnLst>
   </p:timing>
-</p:sld>
-</file>
-
-<file path=ppt/slides/slide3.xml><?xml version="1.0" encoding="utf-8"?>
-<p:sld xmlns:a="http://schemas.openxmlformats.org/drawingml/2006/main" xmlns:r="http://schemas.openxmlformats.org/officeDocument/2006/relationships" xmlns:p="http://schemas.openxmlformats.org/presentationml/2006/main">
-  <p:cSld>
-    <p:spTree>
-      <p:nvGrpSpPr>
-        <p:cNvPr id="1" name=""/>
-        <p:cNvGrpSpPr/>
-        <p:nvPr/>
-      </p:nvGrpSpPr>
-      <p:grpSpPr>
-        <a:xfrm>
-          <a:off x="0" y="0"/>
-          <a:ext cx="0" cy="0"/>
-          <a:chOff x="0" y="0"/>
-          <a:chExt cx="0" cy="0"/>
-        </a:xfrm>
-      </p:grpSpPr>
-      <p:sp>
-        <p:nvSpPr>
-          <p:cNvPr id="2" name="제목 1"/>
-          <p:cNvSpPr>
-            <a:spLocks noGrp="1"/>
-          </p:cNvSpPr>
-          <p:nvPr>
-            <p:ph type="title"/>
-          </p:nvPr>
-        </p:nvSpPr>
-        <p:spPr/>
-        <p:txBody>
-          <a:bodyPr/>
-          <a:lstStyle/>
-          <a:p>
-            <a:r>
-              <a:rPr lang="en-US" altLang="ko-KR" dirty="0" err="1" smtClean="0"/>
-              <a:t>ThingsManager</a:t>
-            </a:r>
-            <a:r>
-              <a:rPr lang="en-US" altLang="ko-KR" dirty="0" smtClean="0"/>
-              <a:t> Architecture</a:t>
-            </a:r>
-            <a:endParaRPr lang="ko-KR" altLang="en-US" dirty="0"/>
-          </a:p>
-        </p:txBody>
-      </p:sp>
-      <p:sp>
-        <p:nvSpPr>
-          <p:cNvPr id="3" name="내용 개체 틀 2"/>
-          <p:cNvSpPr>
-            <a:spLocks noGrp="1"/>
-          </p:cNvSpPr>
-          <p:nvPr>
-            <p:ph idx="1"/>
-          </p:nvPr>
-        </p:nvSpPr>
-        <p:spPr/>
-        <p:txBody>
-          <a:bodyPr/>
-          <a:lstStyle/>
-          <a:p>
-            <a:endParaRPr lang="ko-KR" altLang="en-US"/>
-          </a:p>
-        </p:txBody>
-      </p:sp>
-    </p:spTree>
-    <p:extLst>
-      <p:ext uri="{BB962C8B-B14F-4D97-AF65-F5344CB8AC3E}">
-        <p14:creationId xmlns:p14="http://schemas.microsoft.com/office/powerpoint/2010/main" val="59617348"/>
-      </p:ext>
-    </p:extLst>
-  </p:cSld>
-  <p:clrMapOvr>
-    <a:masterClrMapping/>
-  </p:clrMapOvr>
 </p:sld>
 </file>
 
